--- a/AOK.pptx
+++ b/AOK.pptx
@@ -5,10 +5,10 @@
     <p:sldMasterId id="2147483648" r:id="rId4"/>
   </p:sldMasterIdLst>
   <p:notesMasterIdLst>
-    <p:notesMasterId r:id="rId16"/>
+    <p:notesMasterId r:id="rId15"/>
   </p:notesMasterIdLst>
   <p:handoutMasterIdLst>
-    <p:handoutMasterId r:id="rId17"/>
+    <p:handoutMasterId r:id="rId16"/>
   </p:handoutMasterIdLst>
   <p:sldIdLst>
     <p:sldId id="573" r:id="rId5"/>
@@ -16,17 +16,16 @@
     <p:sldId id="704" r:id="rId7"/>
     <p:sldId id="701" r:id="rId8"/>
     <p:sldId id="703" r:id="rId9"/>
-    <p:sldId id="702" r:id="rId10"/>
-    <p:sldId id="698" r:id="rId11"/>
-    <p:sldId id="706" r:id="rId12"/>
-    <p:sldId id="697" r:id="rId13"/>
-    <p:sldId id="696" r:id="rId14"/>
-    <p:sldId id="700" r:id="rId15"/>
+    <p:sldId id="698" r:id="rId10"/>
+    <p:sldId id="706" r:id="rId11"/>
+    <p:sldId id="697" r:id="rId12"/>
+    <p:sldId id="696" r:id="rId13"/>
+    <p:sldId id="700" r:id="rId14"/>
   </p:sldIdLst>
   <p:sldSz cx="11520488" cy="6480175"/>
   <p:notesSz cx="6858000" cy="9144000"/>
   <p:custDataLst>
-    <p:tags r:id="rId18"/>
+    <p:tags r:id="rId17"/>
   </p:custDataLst>
   <p:defaultTextStyle>
     <a:defPPr>
@@ -4953,7 +4952,7 @@
           <a:p>
             <a:fld id="{9502F7FA-3984-4F9D-BF36-30DAB3280DBC}" type="slidenum">
               <a:rPr lang="de-DE" smtClean="0"/>
-              <a:t>7</a:t>
+              <a:t>6</a:t>
             </a:fld>
             <a:endParaRPr lang="de-DE"/>
           </a:p>
@@ -5078,7 +5077,7 @@
           <a:p>
             <a:fld id="{9502F7FA-3984-4F9D-BF36-30DAB3280DBC}" type="slidenum">
               <a:rPr lang="de-DE" smtClean="0"/>
-              <a:t>8</a:t>
+              <a:t>7</a:t>
             </a:fld>
             <a:endParaRPr lang="de-DE"/>
           </a:p>
@@ -5186,7 +5185,7 @@
           <a:p>
             <a:fld id="{9502F7FA-3984-4F9D-BF36-30DAB3280DBC}" type="slidenum">
               <a:rPr lang="de-DE" smtClean="0"/>
-              <a:t>10</a:t>
+              <a:t>9</a:t>
             </a:fld>
             <a:endParaRPr lang="de-DE"/>
           </a:p>
@@ -5298,7 +5297,7 @@
           <a:p>
             <a:fld id="{9502F7FA-3984-4F9D-BF36-30DAB3280DBC}" type="slidenum">
               <a:rPr lang="de-DE" smtClean="0"/>
-              <a:t>11</a:t>
+              <a:t>10</a:t>
             </a:fld>
             <a:endParaRPr lang="de-DE"/>
           </a:p>
@@ -9583,201 +9582,6 @@
         <p:cNvPr id="1" name="">
           <a:extLst>
             <a:ext uri="{FF2B5EF4-FFF2-40B4-BE49-F238E27FC236}">
-              <a16:creationId xmlns:a16="http://schemas.microsoft.com/office/drawing/2014/main" id="{D3058527-63E6-CE8C-C11C-F214FDFA8A8D}"/>
-            </a:ext>
-          </a:extLst>
-        </p:cNvPr>
-        <p:cNvGrpSpPr/>
-        <p:nvPr/>
-      </p:nvGrpSpPr>
-      <p:grpSpPr>
-        <a:xfrm>
-          <a:off x="0" y="0"/>
-          <a:ext cx="0" cy="0"/>
-          <a:chOff x="0" y="0"/>
-          <a:chExt cx="0" cy="0"/>
-        </a:xfrm>
-      </p:grpSpPr>
-      <p:sp>
-        <p:nvSpPr>
-          <p:cNvPr id="6" name="Titel 5">
-            <a:extLst>
-              <a:ext uri="{FF2B5EF4-FFF2-40B4-BE49-F238E27FC236}">
-                <a16:creationId xmlns:a16="http://schemas.microsoft.com/office/drawing/2014/main" id="{64C5F3FB-A6C2-A36E-C22E-54659A87FCA0}"/>
-              </a:ext>
-            </a:extLst>
-          </p:cNvPr>
-          <p:cNvSpPr>
-            <a:spLocks noGrp="1"/>
-          </p:cNvSpPr>
-          <p:nvPr>
-            <p:ph type="title"/>
-            <p:custDataLst>
-              <p:tags r:id="rId2"/>
-            </p:custDataLst>
-          </p:nvPr>
-        </p:nvSpPr>
-        <p:spPr/>
-        <p:txBody>
-          <a:bodyPr/>
-          <a:lstStyle/>
-          <a:p>
-            <a:r>
-              <a:rPr lang="en-US"/>
-              <a:t>Contact</a:t>
-            </a:r>
-            <a:endParaRPr lang="en-US" dirty="0"/>
-          </a:p>
-        </p:txBody>
-      </p:sp>
-      <p:sp>
-        <p:nvSpPr>
-          <p:cNvPr id="2" name="Fußzeilenplatzhalter 1">
-            <a:extLst>
-              <a:ext uri="{FF2B5EF4-FFF2-40B4-BE49-F238E27FC236}">
-                <a16:creationId xmlns:a16="http://schemas.microsoft.com/office/drawing/2014/main" id="{B545CB46-9B69-77DC-58CF-D0D4460EC0E6}"/>
-              </a:ext>
-            </a:extLst>
-          </p:cNvPr>
-          <p:cNvSpPr>
-            <a:spLocks noGrp="1"/>
-          </p:cNvSpPr>
-          <p:nvPr>
-            <p:ph type="ftr" sz="quarter" idx="3"/>
-          </p:nvPr>
-        </p:nvSpPr>
-        <p:spPr/>
-        <p:txBody>
-          <a:bodyPr/>
-          <a:lstStyle/>
-          <a:p>
-            <a:r>
-              <a:rPr lang="en-US"/>
-              <a:t>IAV  MM/YYYY  Department Code  Initials  Status: draft, confidential</a:t>
-            </a:r>
-            <a:endParaRPr lang="en-US" dirty="0"/>
-          </a:p>
-        </p:txBody>
-      </p:sp>
-      <p:sp>
-        <p:nvSpPr>
-          <p:cNvPr id="10" name="Foliennummernplatzhalter 9">
-            <a:extLst>
-              <a:ext uri="{FF2B5EF4-FFF2-40B4-BE49-F238E27FC236}">
-                <a16:creationId xmlns:a16="http://schemas.microsoft.com/office/drawing/2014/main" id="{E1F3E279-EAE4-E50C-183F-21F207C0B38D}"/>
-              </a:ext>
-            </a:extLst>
-          </p:cNvPr>
-          <p:cNvSpPr>
-            <a:spLocks noGrp="1"/>
-          </p:cNvSpPr>
-          <p:nvPr>
-            <p:ph type="sldNum" sz="quarter" idx="4"/>
-          </p:nvPr>
-        </p:nvSpPr>
-        <p:spPr/>
-        <p:txBody>
-          <a:bodyPr/>
-          <a:lstStyle/>
-          <a:p>
-            <a:fld id="{C651C7C4-31E4-E340-822E-DEA0EA75A835}" type="slidenum">
-              <a:rPr lang="en-US" smtClean="0"/>
-              <a:pPr/>
-              <a:t>10</a:t>
-            </a:fld>
-            <a:endParaRPr lang="en-US" dirty="0"/>
-          </a:p>
-        </p:txBody>
-      </p:sp>
-      <p:sp>
-        <p:nvSpPr>
-          <p:cNvPr id="7" name="Textplatzhalter 6">
-            <a:extLst>
-              <a:ext uri="{FF2B5EF4-FFF2-40B4-BE49-F238E27FC236}">
-                <a16:creationId xmlns:a16="http://schemas.microsoft.com/office/drawing/2014/main" id="{65FF54D4-4B1A-855D-1AE8-4BCB3AE49BB9}"/>
-              </a:ext>
-            </a:extLst>
-          </p:cNvPr>
-          <p:cNvSpPr>
-            <a:spLocks noGrp="1"/>
-          </p:cNvSpPr>
-          <p:nvPr>
-            <p:ph type="body" sz="quarter" idx="13"/>
-            <p:custDataLst>
-              <p:tags r:id="rId3"/>
-            </p:custDataLst>
-          </p:nvPr>
-        </p:nvSpPr>
-        <p:spPr>
-          <a:xfrm>
-            <a:off x="539750" y="3960813"/>
-            <a:ext cx="8280400" cy="1268874"/>
-          </a:xfrm>
-        </p:spPr>
-        <p:txBody>
-          <a:bodyPr/>
-          <a:lstStyle/>
-          <a:p>
-            <a:r>
-              <a:rPr lang="en-US" dirty="0"/>
-              <a:t>Adhitya </a:t>
-            </a:r>
-            <a:r>
-              <a:rPr lang="en-US"/>
-              <a:t>Ramachandran Madhukar</a:t>
-            </a:r>
-          </a:p>
-          <a:p>
-            <a:r>
-              <a:rPr lang="en-US"/>
-              <a:t>adhitya.germany@gmail.com</a:t>
-            </a:r>
-          </a:p>
-          <a:p>
-            <a:r>
-              <a:rPr lang="en-US"/>
-              <a:t>Phone +49 1525 1324313</a:t>
-            </a:r>
-          </a:p>
-          <a:p>
-            <a:r>
-              <a:rPr lang="en-US"/>
-              <a:t>Hugo-Luther-Straße 56</a:t>
-            </a:r>
-          </a:p>
-          <a:p>
-            <a:r>
-              <a:rPr lang="en-US"/>
-              <a:t>Braunschweig, Niedersachsen, DE</a:t>
-            </a:r>
-            <a:endParaRPr lang="en-US" dirty="0"/>
-          </a:p>
-        </p:txBody>
-      </p:sp>
-    </p:spTree>
-    <p:custDataLst>
-      <p:tags r:id="rId1"/>
-    </p:custDataLst>
-    <p:extLst>
-      <p:ext uri="{BB962C8B-B14F-4D97-AF65-F5344CB8AC3E}">
-        <p14:creationId xmlns:p14="http://schemas.microsoft.com/office/powerpoint/2010/main" val="109053779"/>
-      </p:ext>
-    </p:extLst>
-  </p:cSld>
-  <p:clrMapOvr>
-    <a:masterClrMapping/>
-  </p:clrMapOvr>
-</p:sld>
-</file>
-
-<file path=ppt/slides/slide11.xml><?xml version="1.0" encoding="utf-8"?>
-<p:sld xmlns:a="http://schemas.openxmlformats.org/drawingml/2006/main" xmlns:r="http://schemas.openxmlformats.org/officeDocument/2006/relationships" xmlns:p="http://schemas.openxmlformats.org/presentationml/2006/main">
-  <p:cSld>
-    <p:spTree>
-      <p:nvGrpSpPr>
-        <p:cNvPr id="1" name="">
-          <a:extLst>
-            <a:ext uri="{FF2B5EF4-FFF2-40B4-BE49-F238E27FC236}">
               <a16:creationId xmlns:a16="http://schemas.microsoft.com/office/drawing/2014/main" id="{C0C22F56-1864-1DCA-0DB3-BD3C6F036E57}"/>
             </a:ext>
           </a:extLst>
@@ -9856,7 +9660,7 @@
             <a:fld id="{C651C7C4-31E4-E340-822E-DEA0EA75A835}" type="slidenum">
               <a:rPr lang="en-US" smtClean="0"/>
               <a:pPr/>
-              <a:t>11</a:t>
+              <a:t>10</a:t>
             </a:fld>
             <a:endParaRPr lang="en-US" dirty="0"/>
           </a:p>
@@ -12817,331 +12621,6 @@
   <p:cSld>
     <p:spTree>
       <p:nvGrpSpPr>
-        <p:cNvPr id="1" name=""/>
-        <p:cNvGrpSpPr/>
-        <p:nvPr/>
-      </p:nvGrpSpPr>
-      <p:grpSpPr>
-        <a:xfrm>
-          <a:off x="0" y="0"/>
-          <a:ext cx="0" cy="0"/>
-          <a:chOff x="0" y="0"/>
-          <a:chExt cx="0" cy="0"/>
-        </a:xfrm>
-      </p:grpSpPr>
-      <p:sp>
-        <p:nvSpPr>
-          <p:cNvPr id="2" name="Title 1">
-            <a:extLst>
-              <a:ext uri="{FF2B5EF4-FFF2-40B4-BE49-F238E27FC236}">
-                <a16:creationId xmlns:a16="http://schemas.microsoft.com/office/drawing/2014/main" id="{AF9FD49F-3542-AC49-89BE-212D01688365}"/>
-              </a:ext>
-            </a:extLst>
-          </p:cNvPr>
-          <p:cNvSpPr>
-            <a:spLocks noGrp="1"/>
-          </p:cNvSpPr>
-          <p:nvPr>
-            <p:ph type="title"/>
-          </p:nvPr>
-        </p:nvSpPr>
-        <p:spPr/>
-        <p:txBody>
-          <a:bodyPr/>
-          <a:lstStyle/>
-          <a:p>
-            <a:r>
-              <a:rPr lang="en-IN"/>
-              <a:t>Video-Demonstration</a:t>
-            </a:r>
-          </a:p>
-        </p:txBody>
-      </p:sp>
-      <p:sp>
-        <p:nvSpPr>
-          <p:cNvPr id="4" name="Slide Number Placeholder 3">
-            <a:extLst>
-              <a:ext uri="{FF2B5EF4-FFF2-40B4-BE49-F238E27FC236}">
-                <a16:creationId xmlns:a16="http://schemas.microsoft.com/office/drawing/2014/main" id="{DDA15FD2-05A2-1DE6-B5F2-79665414D0E2}"/>
-              </a:ext>
-            </a:extLst>
-          </p:cNvPr>
-          <p:cNvSpPr>
-            <a:spLocks noGrp="1"/>
-          </p:cNvSpPr>
-          <p:nvPr>
-            <p:ph type="sldNum" sz="quarter" idx="11"/>
-          </p:nvPr>
-        </p:nvSpPr>
-        <p:spPr/>
-        <p:txBody>
-          <a:bodyPr/>
-          <a:lstStyle/>
-          <a:p>
-            <a:fld id="{DD6C52D8-AF7F-4297-9A35-2617B7FF1801}" type="slidenum">
-              <a:rPr lang="en-US" smtClean="0"/>
-              <a:pPr/>
-              <a:t>6</a:t>
-            </a:fld>
-            <a:endParaRPr lang="en-US" dirty="0"/>
-          </a:p>
-        </p:txBody>
-      </p:sp>
-      <p:pic>
-        <p:nvPicPr>
-          <p:cNvPr id="6" name="Untitled video - Made with Clipchamp">
-            <a:hlinkClick r:id="" action="ppaction://media"/>
-            <a:extLst>
-              <a:ext uri="{FF2B5EF4-FFF2-40B4-BE49-F238E27FC236}">
-                <a16:creationId xmlns:a16="http://schemas.microsoft.com/office/drawing/2014/main" id="{4F25FFE6-FD91-D682-7BF9-D431CBCF1AEF}"/>
-              </a:ext>
-            </a:extLst>
-          </p:cNvPr>
-          <p:cNvPicPr>
-            <a:picLocks noChangeAspect="1"/>
-          </p:cNvPicPr>
-          <p:nvPr>
-            <a:videoFile r:link="rId2"/>
-            <p:extLst>
-              <p:ext uri="{DAA4B4D4-6D71-4841-9C94-3DE7FCFB9230}">
-                <p14:media xmlns:p14="http://schemas.microsoft.com/office/powerpoint/2010/main" r:embed="rId1"/>
-              </p:ext>
-            </p:extLst>
-          </p:nvPr>
-        </p:nvPicPr>
-        <p:blipFill>
-          <a:blip r:embed="rId4"/>
-          <a:srcRect l="391" t="13696" r="2518" b="9743"/>
-          <a:stretch>
-            <a:fillRect/>
-          </a:stretch>
-        </p:blipFill>
-        <p:spPr>
-          <a:xfrm>
-            <a:off x="539664" y="935831"/>
-            <a:ext cx="8928993" cy="3960440"/>
-          </a:xfrm>
-          <a:prstGeom prst="rect">
-            <a:avLst/>
-          </a:prstGeom>
-        </p:spPr>
-      </p:pic>
-      <p:sp>
-        <p:nvSpPr>
-          <p:cNvPr id="9" name="Rectangle 8">
-            <a:extLst>
-              <a:ext uri="{FF2B5EF4-FFF2-40B4-BE49-F238E27FC236}">
-                <a16:creationId xmlns:a16="http://schemas.microsoft.com/office/drawing/2014/main" id="{932F17A6-3D2F-BB86-13F3-264D5165443B}"/>
-              </a:ext>
-            </a:extLst>
-          </p:cNvPr>
-          <p:cNvSpPr/>
-          <p:nvPr/>
-        </p:nvSpPr>
-        <p:spPr>
-          <a:xfrm>
-            <a:off x="539664" y="931299"/>
-            <a:ext cx="8928993" cy="3964972"/>
-          </a:xfrm>
-          <a:prstGeom prst="rect">
-            <a:avLst/>
-          </a:prstGeom>
-          <a:solidFill>
-            <a:schemeClr val="bg1">
-              <a:alpha val="0"/>
-            </a:schemeClr>
-          </a:solidFill>
-          <a:ln w="28575">
-            <a:solidFill>
-              <a:schemeClr val="tx1"/>
-            </a:solidFill>
-          </a:ln>
-        </p:spPr>
-        <p:style>
-          <a:lnRef idx="2">
-            <a:schemeClr val="accent1">
-              <a:shade val="50000"/>
-            </a:schemeClr>
-          </a:lnRef>
-          <a:fillRef idx="1">
-            <a:schemeClr val="accent1"/>
-          </a:fillRef>
-          <a:effectRef idx="0">
-            <a:schemeClr val="accent1"/>
-          </a:effectRef>
-          <a:fontRef idx="minor">
-            <a:schemeClr val="lt1"/>
-          </a:fontRef>
-        </p:style>
-        <p:txBody>
-          <a:bodyPr lIns="144000" tIns="108000" rIns="144000" bIns="144000" rtlCol="0" anchor="t"/>
-          <a:lstStyle/>
-          <a:p>
-            <a:pPr algn="l">
-              <a:spcBef>
-                <a:spcPts val="800"/>
-              </a:spcBef>
-            </a:pPr>
-            <a:endParaRPr lang="en-IN" sz="1600" dirty="0" err="1"/>
-          </a:p>
-        </p:txBody>
-      </p:sp>
-    </p:spTree>
-    <p:extLst>
-      <p:ext uri="{BB962C8B-B14F-4D97-AF65-F5344CB8AC3E}">
-        <p14:creationId xmlns:p14="http://schemas.microsoft.com/office/powerpoint/2010/main" val="3803916076"/>
-      </p:ext>
-    </p:extLst>
-  </p:cSld>
-  <p:clrMapOvr>
-    <a:masterClrMapping/>
-  </p:clrMapOvr>
-  <p:timing>
-    <p:tnLst>
-      <p:par>
-        <p:cTn id="1" dur="indefinite" restart="never" nodeType="tmRoot">
-          <p:childTnLst>
-            <p:seq concurrent="1" nextAc="seek">
-              <p:cTn id="2" dur="indefinite" nodeType="mainSeq">
-                <p:childTnLst>
-                  <p:par>
-                    <p:cTn id="3" fill="hold">
-                      <p:stCondLst>
-                        <p:cond delay="indefinite"/>
-                        <p:cond evt="onBegin" delay="0">
-                          <p:tn val="2"/>
-                        </p:cond>
-                      </p:stCondLst>
-                      <p:childTnLst>
-                        <p:par>
-                          <p:cTn id="4" fill="hold">
-                            <p:stCondLst>
-                              <p:cond delay="0"/>
-                            </p:stCondLst>
-                            <p:childTnLst>
-                              <p:par>
-                                <p:cTn id="5" presetID="1" presetClass="mediacall" presetSubtype="0" fill="hold" nodeType="afterEffect">
-                                  <p:stCondLst>
-                                    <p:cond delay="0"/>
-                                  </p:stCondLst>
-                                  <p:childTnLst>
-                                    <p:cmd type="call" cmd="playFrom(0.0)">
-                                      <p:cBhvr>
-                                        <p:cTn id="6" dur="21043" fill="hold"/>
-                                        <p:tgtEl>
-                                          <p:spTgt spid="6"/>
-                                        </p:tgtEl>
-                                      </p:cBhvr>
-                                    </p:cmd>
-                                  </p:childTnLst>
-                                </p:cTn>
-                              </p:par>
-                            </p:childTnLst>
-                          </p:cTn>
-                        </p:par>
-                      </p:childTnLst>
-                    </p:cTn>
-                  </p:par>
-                </p:childTnLst>
-              </p:cTn>
-              <p:prevCondLst>
-                <p:cond evt="onPrev" delay="0">
-                  <p:tgtEl>
-                    <p:sldTgt/>
-                  </p:tgtEl>
-                </p:cond>
-              </p:prevCondLst>
-              <p:nextCondLst>
-                <p:cond evt="onNext" delay="0">
-                  <p:tgtEl>
-                    <p:sldTgt/>
-                  </p:tgtEl>
-                </p:cond>
-              </p:nextCondLst>
-            </p:seq>
-            <p:video fullScrn="1">
-              <p:cMediaNode vol="80000" mute="1">
-                <p:cTn id="7" repeatCount="indefinite" fill="remove" display="0">
-                  <p:stCondLst>
-                    <p:cond delay="indefinite"/>
-                  </p:stCondLst>
-                </p:cTn>
-                <p:tgtEl>
-                  <p:spTgt spid="6"/>
-                </p:tgtEl>
-              </p:cMediaNode>
-            </p:video>
-            <p:seq concurrent="1" nextAc="seek">
-              <p:cTn id="8" restart="whenNotActive" fill="hold" evtFilter="cancelBubble" nodeType="interactiveSeq">
-                <p:stCondLst>
-                  <p:cond evt="onClick" delay="0">
-                    <p:tgtEl>
-                      <p:spTgt spid="6"/>
-                    </p:tgtEl>
-                  </p:cond>
-                </p:stCondLst>
-                <p:endSync evt="end" delay="0">
-                  <p:rtn val="all"/>
-                </p:endSync>
-                <p:childTnLst>
-                  <p:par>
-                    <p:cTn id="9" fill="hold">
-                      <p:stCondLst>
-                        <p:cond delay="0"/>
-                      </p:stCondLst>
-                      <p:childTnLst>
-                        <p:par>
-                          <p:cTn id="10" fill="hold">
-                            <p:stCondLst>
-                              <p:cond delay="0"/>
-                            </p:stCondLst>
-                            <p:childTnLst>
-                              <p:par>
-                                <p:cTn id="11" presetID="2" presetClass="mediacall" presetSubtype="0" fill="hold" nodeType="clickEffect">
-                                  <p:stCondLst>
-                                    <p:cond delay="0"/>
-                                  </p:stCondLst>
-                                  <p:childTnLst>
-                                    <p:cmd type="call" cmd="togglePause">
-                                      <p:cBhvr>
-                                        <p:cTn id="12" dur="1" fill="hold"/>
-                                        <p:tgtEl>
-                                          <p:spTgt spid="6"/>
-                                        </p:tgtEl>
-                                      </p:cBhvr>
-                                    </p:cmd>
-                                  </p:childTnLst>
-                                </p:cTn>
-                              </p:par>
-                            </p:childTnLst>
-                          </p:cTn>
-                        </p:par>
-                      </p:childTnLst>
-                    </p:cTn>
-                  </p:par>
-                </p:childTnLst>
-              </p:cTn>
-              <p:nextCondLst>
-                <p:cond evt="onClick" delay="0">
-                  <p:tgtEl>
-                    <p:spTgt spid="6"/>
-                  </p:tgtEl>
-                </p:cond>
-              </p:nextCondLst>
-            </p:seq>
-          </p:childTnLst>
-        </p:cTn>
-      </p:par>
-    </p:tnLst>
-  </p:timing>
-</p:sld>
-</file>
-
-<file path=ppt/slides/slide7.xml><?xml version="1.0" encoding="utf-8"?>
-<p:sld xmlns:a="http://schemas.openxmlformats.org/drawingml/2006/main" xmlns:r="http://schemas.openxmlformats.org/officeDocument/2006/relationships" xmlns:p="http://schemas.openxmlformats.org/presentationml/2006/main">
-  <p:cSld>
-    <p:spTree>
-      <p:nvGrpSpPr>
         <p:cNvPr id="1" name="">
           <a:extLst>
             <a:ext uri="{FF2B5EF4-FFF2-40B4-BE49-F238E27FC236}">
@@ -13223,7 +12702,7 @@
             <a:fld id="{C651C7C4-31E4-E340-822E-DEA0EA75A835}" type="slidenum">
               <a:rPr lang="en-US" smtClean="0"/>
               <a:pPr/>
-              <a:t>7</a:t>
+              <a:t>6</a:t>
             </a:fld>
             <a:endParaRPr lang="en-US" dirty="0"/>
           </a:p>
@@ -13480,7 +12959,7 @@
 </p:sld>
 </file>
 
-<file path=ppt/slides/slide8.xml><?xml version="1.0" encoding="utf-8"?>
+<file path=ppt/slides/slide7.xml><?xml version="1.0" encoding="utf-8"?>
 <p:sld xmlns:a="http://schemas.openxmlformats.org/drawingml/2006/main" xmlns:r="http://schemas.openxmlformats.org/officeDocument/2006/relationships" xmlns:p="http://schemas.openxmlformats.org/presentationml/2006/main">
   <p:cSld>
     <p:spTree>
@@ -13566,7 +13045,7 @@
             <a:fld id="{C651C7C4-31E4-E340-822E-DEA0EA75A835}" type="slidenum">
               <a:rPr lang="en-US" smtClean="0"/>
               <a:pPr/>
-              <a:t>8</a:t>
+              <a:t>7</a:t>
             </a:fld>
             <a:endParaRPr lang="en-US" dirty="0"/>
           </a:p>
@@ -13878,7 +13357,7 @@
 </p:sld>
 </file>
 
-<file path=ppt/slides/slide9.xml><?xml version="1.0" encoding="utf-8"?>
+<file path=ppt/slides/slide8.xml><?xml version="1.0" encoding="utf-8"?>
 <p:sld xmlns:a="http://schemas.openxmlformats.org/drawingml/2006/main" xmlns:r="http://schemas.openxmlformats.org/officeDocument/2006/relationships" xmlns:p="http://schemas.openxmlformats.org/presentationml/2006/main">
   <p:cSld>
     <p:spTree>
@@ -13957,7 +13436,7 @@
             <a:fld id="{C651C7C4-31E4-E340-822E-DEA0EA75A835}" type="slidenum">
               <a:rPr lang="en-US" smtClean="0"/>
               <a:pPr/>
-              <a:t>9</a:t>
+              <a:t>8</a:t>
             </a:fld>
             <a:endParaRPr lang="en-US" dirty="0"/>
           </a:p>
@@ -13967,6 +13446,201 @@
     <p:extLst>
       <p:ext uri="{BB962C8B-B14F-4D97-AF65-F5344CB8AC3E}">
         <p14:creationId xmlns:p14="http://schemas.microsoft.com/office/powerpoint/2010/main" val="87728871"/>
+      </p:ext>
+    </p:extLst>
+  </p:cSld>
+  <p:clrMapOvr>
+    <a:masterClrMapping/>
+  </p:clrMapOvr>
+</p:sld>
+</file>
+
+<file path=ppt/slides/slide9.xml><?xml version="1.0" encoding="utf-8"?>
+<p:sld xmlns:a="http://schemas.openxmlformats.org/drawingml/2006/main" xmlns:r="http://schemas.openxmlformats.org/officeDocument/2006/relationships" xmlns:p="http://schemas.openxmlformats.org/presentationml/2006/main">
+  <p:cSld>
+    <p:spTree>
+      <p:nvGrpSpPr>
+        <p:cNvPr id="1" name="">
+          <a:extLst>
+            <a:ext uri="{FF2B5EF4-FFF2-40B4-BE49-F238E27FC236}">
+              <a16:creationId xmlns:a16="http://schemas.microsoft.com/office/drawing/2014/main" id="{D3058527-63E6-CE8C-C11C-F214FDFA8A8D}"/>
+            </a:ext>
+          </a:extLst>
+        </p:cNvPr>
+        <p:cNvGrpSpPr/>
+        <p:nvPr/>
+      </p:nvGrpSpPr>
+      <p:grpSpPr>
+        <a:xfrm>
+          <a:off x="0" y="0"/>
+          <a:ext cx="0" cy="0"/>
+          <a:chOff x="0" y="0"/>
+          <a:chExt cx="0" cy="0"/>
+        </a:xfrm>
+      </p:grpSpPr>
+      <p:sp>
+        <p:nvSpPr>
+          <p:cNvPr id="6" name="Titel 5">
+            <a:extLst>
+              <a:ext uri="{FF2B5EF4-FFF2-40B4-BE49-F238E27FC236}">
+                <a16:creationId xmlns:a16="http://schemas.microsoft.com/office/drawing/2014/main" id="{64C5F3FB-A6C2-A36E-C22E-54659A87FCA0}"/>
+              </a:ext>
+            </a:extLst>
+          </p:cNvPr>
+          <p:cNvSpPr>
+            <a:spLocks noGrp="1"/>
+          </p:cNvSpPr>
+          <p:nvPr>
+            <p:ph type="title"/>
+            <p:custDataLst>
+              <p:tags r:id="rId2"/>
+            </p:custDataLst>
+          </p:nvPr>
+        </p:nvSpPr>
+        <p:spPr/>
+        <p:txBody>
+          <a:bodyPr/>
+          <a:lstStyle/>
+          <a:p>
+            <a:r>
+              <a:rPr lang="en-US"/>
+              <a:t>Contact</a:t>
+            </a:r>
+            <a:endParaRPr lang="en-US" dirty="0"/>
+          </a:p>
+        </p:txBody>
+      </p:sp>
+      <p:sp>
+        <p:nvSpPr>
+          <p:cNvPr id="2" name="Fußzeilenplatzhalter 1">
+            <a:extLst>
+              <a:ext uri="{FF2B5EF4-FFF2-40B4-BE49-F238E27FC236}">
+                <a16:creationId xmlns:a16="http://schemas.microsoft.com/office/drawing/2014/main" id="{B545CB46-9B69-77DC-58CF-D0D4460EC0E6}"/>
+              </a:ext>
+            </a:extLst>
+          </p:cNvPr>
+          <p:cNvSpPr>
+            <a:spLocks noGrp="1"/>
+          </p:cNvSpPr>
+          <p:nvPr>
+            <p:ph type="ftr" sz="quarter" idx="3"/>
+          </p:nvPr>
+        </p:nvSpPr>
+        <p:spPr/>
+        <p:txBody>
+          <a:bodyPr/>
+          <a:lstStyle/>
+          <a:p>
+            <a:r>
+              <a:rPr lang="en-US"/>
+              <a:t>IAV  MM/YYYY  Department Code  Initials  Status: draft, confidential</a:t>
+            </a:r>
+            <a:endParaRPr lang="en-US" dirty="0"/>
+          </a:p>
+        </p:txBody>
+      </p:sp>
+      <p:sp>
+        <p:nvSpPr>
+          <p:cNvPr id="10" name="Foliennummernplatzhalter 9">
+            <a:extLst>
+              <a:ext uri="{FF2B5EF4-FFF2-40B4-BE49-F238E27FC236}">
+                <a16:creationId xmlns:a16="http://schemas.microsoft.com/office/drawing/2014/main" id="{E1F3E279-EAE4-E50C-183F-21F207C0B38D}"/>
+              </a:ext>
+            </a:extLst>
+          </p:cNvPr>
+          <p:cNvSpPr>
+            <a:spLocks noGrp="1"/>
+          </p:cNvSpPr>
+          <p:nvPr>
+            <p:ph type="sldNum" sz="quarter" idx="4"/>
+          </p:nvPr>
+        </p:nvSpPr>
+        <p:spPr/>
+        <p:txBody>
+          <a:bodyPr/>
+          <a:lstStyle/>
+          <a:p>
+            <a:fld id="{C651C7C4-31E4-E340-822E-DEA0EA75A835}" type="slidenum">
+              <a:rPr lang="en-US" smtClean="0"/>
+              <a:pPr/>
+              <a:t>9</a:t>
+            </a:fld>
+            <a:endParaRPr lang="en-US" dirty="0"/>
+          </a:p>
+        </p:txBody>
+      </p:sp>
+      <p:sp>
+        <p:nvSpPr>
+          <p:cNvPr id="7" name="Textplatzhalter 6">
+            <a:extLst>
+              <a:ext uri="{FF2B5EF4-FFF2-40B4-BE49-F238E27FC236}">
+                <a16:creationId xmlns:a16="http://schemas.microsoft.com/office/drawing/2014/main" id="{65FF54D4-4B1A-855D-1AE8-4BCB3AE49BB9}"/>
+              </a:ext>
+            </a:extLst>
+          </p:cNvPr>
+          <p:cNvSpPr>
+            <a:spLocks noGrp="1"/>
+          </p:cNvSpPr>
+          <p:nvPr>
+            <p:ph type="body" sz="quarter" idx="13"/>
+            <p:custDataLst>
+              <p:tags r:id="rId3"/>
+            </p:custDataLst>
+          </p:nvPr>
+        </p:nvSpPr>
+        <p:spPr>
+          <a:xfrm>
+            <a:off x="539750" y="3960813"/>
+            <a:ext cx="8280400" cy="1268874"/>
+          </a:xfrm>
+        </p:spPr>
+        <p:txBody>
+          <a:bodyPr/>
+          <a:lstStyle/>
+          <a:p>
+            <a:r>
+              <a:rPr lang="en-US" dirty="0"/>
+              <a:t>Adhitya </a:t>
+            </a:r>
+            <a:r>
+              <a:rPr lang="en-US"/>
+              <a:t>Ramachandran Madhukar</a:t>
+            </a:r>
+          </a:p>
+          <a:p>
+            <a:r>
+              <a:rPr lang="en-US"/>
+              <a:t>adhitya.germany@gmail.com</a:t>
+            </a:r>
+          </a:p>
+          <a:p>
+            <a:r>
+              <a:rPr lang="en-US"/>
+              <a:t>Phone +49 1525 1324313</a:t>
+            </a:r>
+          </a:p>
+          <a:p>
+            <a:r>
+              <a:rPr lang="en-US"/>
+              <a:t>Hugo-Luther-Straße 56</a:t>
+            </a:r>
+          </a:p>
+          <a:p>
+            <a:r>
+              <a:rPr lang="en-US"/>
+              <a:t>Braunschweig, Niedersachsen, DE</a:t>
+            </a:r>
+            <a:endParaRPr lang="en-US" dirty="0"/>
+          </a:p>
+        </p:txBody>
+      </p:sp>
+    </p:spTree>
+    <p:custDataLst>
+      <p:tags r:id="rId1"/>
+    </p:custDataLst>
+    <p:extLst>
+      <p:ext uri="{BB962C8B-B14F-4D97-AF65-F5344CB8AC3E}">
+        <p14:creationId xmlns:p14="http://schemas.microsoft.com/office/powerpoint/2010/main" val="109053779"/>
       </p:ext>
     </p:extLst>
   </p:cSld>
@@ -15108,15 +14782,6 @@
 </file>
 
 <file path=customXml/item1.xml><?xml version="1.0" encoding="utf-8"?>
-<?mso-contentType ?>
-<FormTemplates xmlns="http://schemas.microsoft.com/sharepoint/v3/contenttype/forms">
-  <Display>DocumentLibraryForm</Display>
-  <Edit>DocumentLibraryForm</Edit>
-  <New>DocumentLibraryForm</New>
-</FormTemplates>
-</file>
-
-<file path=customXml/item2.xml><?xml version="1.0" encoding="utf-8"?>
 <ct:contentTypeSchema xmlns:ct="http://schemas.microsoft.com/office/2006/metadata/contentType" xmlns:ma="http://schemas.microsoft.com/office/2006/metadata/properties/metaAttributes" ct:_="" ma:_="" ma:contentTypeName="Dokument" ma:contentTypeID="0x010100EC118928A2B7EF48913961D044C08128" ma:contentTypeVersion="13" ma:contentTypeDescription="Ein neues Dokument erstellen." ma:contentTypeScope="" ma:versionID="1e55f9b661f40172bd388d24963110b9">
   <xsd:schema xmlns:xsd="http://www.w3.org/2001/XMLSchema" xmlns:xs="http://www.w3.org/2001/XMLSchema" xmlns:p="http://schemas.microsoft.com/office/2006/metadata/properties" xmlns:ns2="09130a7c-92cc-4e34-b8e4-72eee94df1b6" xmlns:ns3="e1e66736-a3dc-482f-b04b-4e407ae1a9cb" targetNamespace="http://schemas.microsoft.com/office/2006/metadata/properties" ma:root="true" ma:fieldsID="c3ccd8b0b397ad92be6571d69600817f" ns2:_="" ns3:_="">
     <xsd:import namespace="09130a7c-92cc-4e34-b8e4-72eee94df1b6"/>
@@ -15339,6 +15004,15 @@
 </ct:contentTypeSchema>
 </file>
 
+<file path=customXml/item2.xml><?xml version="1.0" encoding="utf-8"?>
+<?mso-contentType ?>
+<FormTemplates xmlns="http://schemas.microsoft.com/sharepoint/v3/contenttype/forms">
+  <Display>DocumentLibraryForm</Display>
+  <Edit>DocumentLibraryForm</Edit>
+  <New>DocumentLibraryForm</New>
+</FormTemplates>
+</file>
+
 <file path=customXml/item3.xml><?xml version="1.0" encoding="utf-8"?>
 <p:properties xmlns:p="http://schemas.microsoft.com/office/2006/metadata/properties" xmlns:xsi="http://www.w3.org/2001/XMLSchema-instance" xmlns:pc="http://schemas.microsoft.com/office/infopath/2007/PartnerControls">
   <documentManagement/>
@@ -15346,14 +15020,6 @@
 </file>
 
 <file path=customXml/itemProps1.xml><?xml version="1.0" encoding="utf-8"?>
-<ds:datastoreItem xmlns:ds="http://schemas.openxmlformats.org/officeDocument/2006/customXml" ds:itemID="{86F59E95-4674-4DBF-8B86-37F165645A09}">
-  <ds:schemaRefs>
-    <ds:schemaRef ds:uri="http://schemas.microsoft.com/sharepoint/v3/contenttype/forms"/>
-  </ds:schemaRefs>
-</ds:datastoreItem>
-</file>
-
-<file path=customXml/itemProps2.xml><?xml version="1.0" encoding="utf-8"?>
 <ds:datastoreItem xmlns:ds="http://schemas.openxmlformats.org/officeDocument/2006/customXml" ds:itemID="{60A95B5A-25F6-4920-AD5E-05C87DB74413}">
   <ds:schemaRefs>
     <ds:schemaRef ds:uri="http://schemas.microsoft.com/office/2006/metadata/contentType"/>
@@ -15368,6 +15034,14 @@
     <ds:schemaRef ds:uri="http://purl.org/dc/elements/1.1/"/>
     <ds:schemaRef ds:uri="http://purl.org/dc/terms/"/>
     <ds:schemaRef ds:uri="http://schemas.microsoft.com/internal/obd"/>
+  </ds:schemaRefs>
+</ds:datastoreItem>
+</file>
+
+<file path=customXml/itemProps2.xml><?xml version="1.0" encoding="utf-8"?>
+<ds:datastoreItem xmlns:ds="http://schemas.openxmlformats.org/officeDocument/2006/customXml" ds:itemID="{86F59E95-4674-4DBF-8B86-37F165645A09}">
+  <ds:schemaRefs>
+    <ds:schemaRef ds:uri="http://schemas.microsoft.com/sharepoint/v3/contenttype/forms"/>
   </ds:schemaRefs>
 </ds:datastoreItem>
 </file>
